--- a/Fase 1/Evidencias Grupales/Presentación idea de proyecto.pptx
+++ b/Fase 1/Evidencias Grupales/Presentación idea de proyecto.pptx
@@ -12834,8 +12834,8 @@
         </p:nvGrpSpPr>
         <p:grpSpPr>
           <a:xfrm>
-            <a:off x="3508688" y="3174690"/>
-            <a:ext cx="2389391" cy="4798877"/>
+            <a:off x="2971929" y="2533533"/>
+            <a:ext cx="2616984" cy="5412701"/>
             <a:chOff x="584098" y="1305575"/>
             <a:chExt cx="1690886" cy="3228958"/>
           </a:xfrm>
@@ -12910,7 +12910,7 @@
               <a:r>
                 <a:t/>
               </a:r>
-              <a:endParaRPr b="0" i="0" sz="1400" u="none" cap="none" strike="noStrike">
+              <a:endParaRPr b="0" i="0" sz="1800" u="none" cap="none" strike="noStrike">
                 <a:solidFill>
                   <a:srgbClr val="000000"/>
                 </a:solidFill>
@@ -12983,7 +12983,7 @@
               <a:r>
                 <a:t/>
               </a:r>
-              <a:endParaRPr b="0" i="0" sz="1400" u="none" cap="none" strike="noStrike">
+              <a:endParaRPr b="0" i="0" sz="1800" u="none" cap="none" strike="noStrike">
                 <a:solidFill>
                   <a:srgbClr val="000000"/>
                 </a:solidFill>
@@ -13051,7 +13051,7 @@
               <a:r>
                 <a:t/>
               </a:r>
-              <a:endParaRPr b="0" i="0" sz="1400" u="none" cap="none" strike="noStrike">
+              <a:endParaRPr b="0" i="0" sz="1800" u="none" cap="none" strike="noStrike">
                 <a:solidFill>
                   <a:srgbClr val="000000"/>
                 </a:solidFill>
@@ -13072,8 +13072,8 @@
         </p:nvGrpSpPr>
         <p:grpSpPr>
           <a:xfrm>
-            <a:off x="9430990" y="3174690"/>
-            <a:ext cx="2392687" cy="4793069"/>
+            <a:off x="9458339" y="2533533"/>
+            <a:ext cx="2620594" cy="5406151"/>
             <a:chOff x="4775098" y="1305575"/>
             <a:chExt cx="1693218" cy="3225050"/>
           </a:xfrm>
@@ -13148,7 +13148,7 @@
               <a:r>
                 <a:t/>
               </a:r>
-              <a:endParaRPr b="0" i="0" sz="1400" u="none" cap="none" strike="noStrike">
+              <a:endParaRPr b="0" i="0" sz="1800" u="none" cap="none" strike="noStrike">
                 <a:solidFill>
                   <a:srgbClr val="000000"/>
                 </a:solidFill>
@@ -13221,7 +13221,7 @@
               <a:r>
                 <a:t/>
               </a:r>
-              <a:endParaRPr b="0" i="0" sz="1400" u="none" cap="none" strike="noStrike">
+              <a:endParaRPr b="0" i="0" sz="1800" u="none" cap="none" strike="noStrike">
                 <a:solidFill>
                   <a:srgbClr val="000000"/>
                 </a:solidFill>
@@ -13289,7 +13289,7 @@
               <a:r>
                 <a:t/>
               </a:r>
-              <a:endParaRPr b="0" i="0" sz="1400" u="none" cap="none" strike="noStrike">
+              <a:endParaRPr b="0" i="0" sz="1800" u="none" cap="none" strike="noStrike">
                 <a:solidFill>
                   <a:srgbClr val="000000"/>
                 </a:solidFill>
@@ -13310,8 +13310,8 @@
         </p:nvGrpSpPr>
         <p:grpSpPr>
           <a:xfrm>
-            <a:off x="12390451" y="3174690"/>
-            <a:ext cx="2388846" cy="4793069"/>
+            <a:off x="12699694" y="2533533"/>
+            <a:ext cx="2616387" cy="5406151"/>
             <a:chOff x="6869402" y="1305575"/>
             <a:chExt cx="1690500" cy="3225050"/>
           </a:xfrm>
@@ -13386,7 +13386,7 @@
               <a:r>
                 <a:t/>
               </a:r>
-              <a:endParaRPr b="0" i="0" sz="1400" u="none" cap="none" strike="noStrike">
+              <a:endParaRPr b="0" i="0" sz="1800" u="none" cap="none" strike="noStrike">
                 <a:solidFill>
                   <a:srgbClr val="000000"/>
                 </a:solidFill>
@@ -13459,7 +13459,7 @@
               <a:r>
                 <a:t/>
               </a:r>
-              <a:endParaRPr b="0" i="0" sz="1400" u="none" cap="none" strike="noStrike">
+              <a:endParaRPr b="0" i="0" sz="1800" u="none" cap="none" strike="noStrike">
                 <a:solidFill>
                   <a:srgbClr val="000000"/>
                 </a:solidFill>
@@ -13527,7 +13527,7 @@
               <a:r>
                 <a:t/>
               </a:r>
-              <a:endParaRPr b="0" i="0" sz="1400" u="none" cap="none" strike="noStrike">
+              <a:endParaRPr b="0" i="0" sz="1800" u="none" cap="none" strike="noStrike">
                 <a:solidFill>
                   <a:srgbClr val="000000"/>
                 </a:solidFill>
@@ -13548,8 +13548,8 @@
         </p:nvSpPr>
         <p:spPr>
           <a:xfrm>
-            <a:off x="3868930" y="4944015"/>
-            <a:ext cx="1669200" cy="821400"/>
+            <a:off x="3366516" y="4529248"/>
+            <a:ext cx="1828200" cy="926400"/>
           </a:xfrm>
           <a:prstGeom prst="rect">
             <a:avLst/>
@@ -13583,7 +13583,7 @@
               <a:buNone/>
             </a:pPr>
             <a:r>
-              <a:rPr lang="es-419" sz="1800">
+              <a:rPr lang="es-419" sz="2200">
                 <a:solidFill>
                   <a:srgbClr val="404040"/>
                 </a:solidFill>
@@ -13594,7 +13594,7 @@
               </a:rPr>
               <a:t>Desarrollo de prototipo funcional</a:t>
             </a:r>
-            <a:endParaRPr b="0" i="0" sz="1800" u="none" cap="none" strike="noStrike">
+            <a:endParaRPr b="0" i="0" sz="2200" u="none" cap="none" strike="noStrike">
               <a:solidFill>
                 <a:srgbClr val="404040"/>
               </a:solidFill>
@@ -13614,8 +13614,8 @@
         </p:nvSpPr>
         <p:spPr>
           <a:xfrm>
-            <a:off x="9794774" y="4944015"/>
-            <a:ext cx="1669200" cy="821400"/>
+            <a:off x="9856963" y="4529248"/>
+            <a:ext cx="1828200" cy="926400"/>
           </a:xfrm>
           <a:prstGeom prst="rect">
             <a:avLst/>
@@ -13649,7 +13649,7 @@
               <a:buNone/>
             </a:pPr>
             <a:r>
-              <a:rPr lang="es-419" sz="1800">
+              <a:rPr lang="es-419" sz="2200">
                 <a:solidFill>
                   <a:srgbClr val="4F67A2"/>
                 </a:solidFill>
@@ -13660,7 +13660,7 @@
               </a:rPr>
               <a:t>Pruebas y Ajustes Fase Final</a:t>
             </a:r>
-            <a:endParaRPr b="0" i="0" sz="1800" u="none" cap="none" strike="noStrike">
+            <a:endParaRPr b="0" i="0" sz="2200" u="none" cap="none" strike="noStrike">
               <a:solidFill>
                 <a:srgbClr val="4F67A2"/>
               </a:solidFill>
@@ -13680,8 +13680,8 @@
         </p:nvSpPr>
         <p:spPr>
           <a:xfrm>
-            <a:off x="12762760" y="5289938"/>
-            <a:ext cx="1669200" cy="821400"/>
+            <a:off x="13107732" y="4919426"/>
+            <a:ext cx="1828200" cy="926400"/>
           </a:xfrm>
           <a:prstGeom prst="rect">
             <a:avLst/>
@@ -13712,7 +13712,7 @@
               <a:buNone/>
             </a:pPr>
             <a:r>
-              <a:rPr lang="es-419" sz="1800">
+              <a:rPr lang="es-419" sz="2200">
                 <a:solidFill>
                   <a:srgbClr val="796295"/>
                 </a:solidFill>
@@ -13723,7 +13723,7 @@
               </a:rPr>
               <a:t>Lanzamiento y Evaluación del Proyecto</a:t>
             </a:r>
-            <a:endParaRPr sz="1800">
+            <a:endParaRPr sz="2200">
               <a:solidFill>
                 <a:srgbClr val="796295"/>
               </a:solidFill>
@@ -13751,7 +13751,7 @@
             <a:r>
               <a:t/>
             </a:r>
-            <a:endParaRPr sz="1800">
+            <a:endParaRPr sz="2200">
               <a:solidFill>
                 <a:srgbClr val="796295"/>
               </a:solidFill>
@@ -13782,7 +13782,7 @@
             <a:r>
               <a:t/>
             </a:r>
-            <a:endParaRPr sz="1800">
+            <a:endParaRPr sz="2200">
               <a:solidFill>
                 <a:srgbClr val="796295"/>
               </a:solidFill>
@@ -13802,8 +13802,8 @@
         </p:nvSpPr>
         <p:spPr>
           <a:xfrm>
-            <a:off x="3747045" y="6328918"/>
-            <a:ext cx="1913400" cy="1198200"/>
+            <a:off x="3233018" y="6091323"/>
+            <a:ext cx="2095800" cy="1351500"/>
           </a:xfrm>
           <a:prstGeom prst="rect">
             <a:avLst/>
@@ -13834,7 +13834,7 @@
               <a:buNone/>
             </a:pPr>
             <a:r>
-              <a:rPr lang="es-419" sz="1200">
+              <a:rPr lang="es-419" sz="1600">
                 <a:latin typeface="Roboto"/>
                 <a:ea typeface="Roboto"/>
                 <a:cs typeface="Roboto"/>
@@ -13842,7 +13842,7 @@
               </a:rPr>
               <a:t>Finalizar el prototipo UX/UI interactivo y los módulos de gestión de servicios y agenda.</a:t>
             </a:r>
-            <a:endParaRPr sz="1200">
+            <a:endParaRPr sz="1600">
               <a:latin typeface="Roboto"/>
               <a:ea typeface="Roboto"/>
               <a:cs typeface="Roboto"/>
@@ -13867,7 +13867,7 @@
             <a:r>
               <a:t/>
             </a:r>
-            <a:endParaRPr sz="1200">
+            <a:endParaRPr sz="1600">
               <a:latin typeface="Roboto"/>
               <a:ea typeface="Roboto"/>
               <a:cs typeface="Roboto"/>
@@ -13895,7 +13895,7 @@
             <a:r>
               <a:t/>
             </a:r>
-            <a:endParaRPr sz="1200">
+            <a:endParaRPr sz="1600">
               <a:latin typeface="Roboto"/>
               <a:ea typeface="Roboto"/>
               <a:cs typeface="Roboto"/>
@@ -13912,8 +13912,8 @@
         </p:nvSpPr>
         <p:spPr>
           <a:xfrm>
-            <a:off x="9635690" y="6328918"/>
-            <a:ext cx="1913400" cy="1198200"/>
+            <a:off x="9682721" y="6091323"/>
+            <a:ext cx="2095800" cy="1351500"/>
           </a:xfrm>
           <a:prstGeom prst="rect">
             <a:avLst/>
@@ -13944,7 +13944,7 @@
               <a:buNone/>
             </a:pPr>
             <a:r>
-              <a:rPr lang="es-419" sz="1200">
+              <a:rPr lang="es-419" sz="1600">
                 <a:latin typeface="Roboto"/>
                 <a:ea typeface="Roboto"/>
                 <a:cs typeface="Roboto"/>
@@ -13952,7 +13952,7 @@
               </a:rPr>
               <a:t>Realizar pruebas exhaustivas de calidad y usabilidad con el equipo QA.</a:t>
             </a:r>
-            <a:endParaRPr sz="1200">
+            <a:endParaRPr sz="1600">
               <a:latin typeface="Roboto"/>
               <a:ea typeface="Roboto"/>
               <a:cs typeface="Roboto"/>
@@ -13977,7 +13977,7 @@
             <a:r>
               <a:t/>
             </a:r>
-            <a:endParaRPr sz="1200">
+            <a:endParaRPr sz="1600">
               <a:latin typeface="Roboto"/>
               <a:ea typeface="Roboto"/>
               <a:cs typeface="Roboto"/>
@@ -14005,7 +14005,7 @@
             <a:r>
               <a:t/>
             </a:r>
-            <a:endParaRPr sz="1200">
+            <a:endParaRPr sz="1600">
               <a:latin typeface="Roboto"/>
               <a:ea typeface="Roboto"/>
               <a:cs typeface="Roboto"/>
@@ -14022,8 +14022,8 @@
         </p:nvSpPr>
         <p:spPr>
           <a:xfrm>
-            <a:off x="12650816" y="6328918"/>
-            <a:ext cx="1913400" cy="1198200"/>
+            <a:off x="12985122" y="6091323"/>
+            <a:ext cx="2095800" cy="1351500"/>
           </a:xfrm>
           <a:prstGeom prst="rect">
             <a:avLst/>
@@ -14054,7 +14054,7 @@
               <a:buNone/>
             </a:pPr>
             <a:r>
-              <a:rPr lang="es-419" sz="1200">
+              <a:rPr lang="es-419" sz="1600">
                 <a:latin typeface="Roboto"/>
                 <a:ea typeface="Roboto"/>
                 <a:cs typeface="Roboto"/>
@@ -14062,7 +14062,7 @@
               </a:rPr>
               <a:t>Preparar el sistema para su uso potencial en entornos de prueba o comercialización.</a:t>
             </a:r>
-            <a:endParaRPr sz="1200">
+            <a:endParaRPr sz="1600">
               <a:latin typeface="Roboto"/>
               <a:ea typeface="Roboto"/>
               <a:cs typeface="Roboto"/>
@@ -14087,7 +14087,7 @@
             <a:r>
               <a:t/>
             </a:r>
-            <a:endParaRPr sz="1200">
+            <a:endParaRPr sz="1600">
               <a:latin typeface="Roboto"/>
               <a:ea typeface="Roboto"/>
               <a:cs typeface="Roboto"/>
@@ -14115,7 +14115,7 @@
             <a:r>
               <a:t/>
             </a:r>
-            <a:endParaRPr sz="1200">
+            <a:endParaRPr sz="1600">
               <a:latin typeface="Roboto"/>
               <a:ea typeface="Roboto"/>
               <a:cs typeface="Roboto"/>
@@ -14140,8 +14140,8 @@
         </p:blipFill>
         <p:spPr>
           <a:xfrm>
-            <a:off x="4193315" y="3455866"/>
-            <a:ext cx="1020205" cy="1075386"/>
+            <a:off x="3721807" y="2850719"/>
+            <a:ext cx="1117408" cy="1212960"/>
           </a:xfrm>
           <a:prstGeom prst="rect">
             <a:avLst/>
@@ -14160,8 +14160,8 @@
         </p:nvGrpSpPr>
         <p:grpSpPr>
           <a:xfrm>
-            <a:off x="6350832" y="3171787"/>
-            <a:ext cx="2389269" cy="4798877"/>
+            <a:off x="6084788" y="2530258"/>
+            <a:ext cx="2616851" cy="5412701"/>
             <a:chOff x="2677123" y="1305575"/>
             <a:chExt cx="1690800" cy="3228958"/>
           </a:xfrm>
@@ -14236,7 +14236,7 @@
               <a:r>
                 <a:t/>
               </a:r>
-              <a:endParaRPr b="0" i="0" sz="1400" u="none" cap="none" strike="noStrike">
+              <a:endParaRPr b="0" i="0" sz="1800" u="none" cap="none" strike="noStrike">
                 <a:solidFill>
                   <a:srgbClr val="000000"/>
                 </a:solidFill>
@@ -14309,7 +14309,7 @@
               <a:r>
                 <a:t/>
               </a:r>
-              <a:endParaRPr b="0" i="0" sz="1400" u="none" cap="none" strike="noStrike">
+              <a:endParaRPr b="0" i="0" sz="1800" u="none" cap="none" strike="noStrike">
                 <a:solidFill>
                   <a:srgbClr val="000000"/>
                 </a:solidFill>
@@ -14377,7 +14377,7 @@
               <a:r>
                 <a:t/>
               </a:r>
-              <a:endParaRPr b="0" i="0" sz="1400" u="none" cap="none" strike="noStrike">
+              <a:endParaRPr b="0" i="0" sz="1800" u="none" cap="none" strike="noStrike">
                 <a:solidFill>
                   <a:srgbClr val="000000"/>
                 </a:solidFill>
@@ -14398,8 +14398,8 @@
         </p:nvSpPr>
         <p:spPr>
           <a:xfrm>
-            <a:off x="6579226" y="4944007"/>
-            <a:ext cx="1913400" cy="821400"/>
+            <a:off x="6335043" y="4529239"/>
+            <a:ext cx="2095800" cy="926400"/>
           </a:xfrm>
           <a:prstGeom prst="rect">
             <a:avLst/>
@@ -14433,7 +14433,7 @@
               <a:buNone/>
             </a:pPr>
             <a:r>
-              <a:rPr lang="es-419" sz="1800">
+              <a:rPr lang="es-419" sz="2200">
                 <a:solidFill>
                   <a:srgbClr val="1C2253"/>
                 </a:solidFill>
@@ -14444,7 +14444,7 @@
               </a:rPr>
               <a:t>Implementación Completa del Sistema</a:t>
             </a:r>
-            <a:endParaRPr b="0" i="0" sz="1800" u="none" cap="none" strike="noStrike">
+            <a:endParaRPr b="0" i="0" sz="2200" u="none" cap="none" strike="noStrike">
               <a:solidFill>
                 <a:srgbClr val="1C2253"/>
               </a:solidFill>
@@ -14464,8 +14464,8 @@
         </p:nvSpPr>
         <p:spPr>
           <a:xfrm>
-            <a:off x="6585817" y="6326015"/>
-            <a:ext cx="1913400" cy="1198200"/>
+            <a:off x="6342263" y="6088049"/>
+            <a:ext cx="2095800" cy="1351500"/>
           </a:xfrm>
           <a:prstGeom prst="rect">
             <a:avLst/>
@@ -14496,7 +14496,7 @@
               <a:buNone/>
             </a:pPr>
             <a:r>
-              <a:rPr lang="es-419" sz="1200">
+              <a:rPr lang="es-419" sz="1600">
                 <a:latin typeface="Roboto"/>
                 <a:ea typeface="Roboto"/>
                 <a:cs typeface="Roboto"/>
@@ -14504,7 +14504,7 @@
               </a:rPr>
               <a:t> Desarrollar y conectar todos los módulos (frontend, backend, y base de datos) en un sistema funcional.</a:t>
             </a:r>
-            <a:endParaRPr sz="1200">
+            <a:endParaRPr sz="1600">
               <a:latin typeface="Roboto"/>
               <a:ea typeface="Roboto"/>
               <a:cs typeface="Roboto"/>
@@ -14529,7 +14529,7 @@
             <a:r>
               <a:t/>
             </a:r>
-            <a:endParaRPr sz="1200">
+            <a:endParaRPr sz="1600">
               <a:latin typeface="Roboto"/>
               <a:ea typeface="Roboto"/>
               <a:cs typeface="Roboto"/>
@@ -14557,7 +14557,7 @@
             <a:r>
               <a:t/>
             </a:r>
-            <a:endParaRPr sz="1200">
+            <a:endParaRPr sz="1600">
               <a:latin typeface="Roboto"/>
               <a:ea typeface="Roboto"/>
               <a:cs typeface="Roboto"/>
@@ -14582,8 +14582,8 @@
         </p:blipFill>
         <p:spPr>
           <a:xfrm>
-            <a:off x="6967373" y="3394485"/>
-            <a:ext cx="1136667" cy="1198148"/>
+            <a:off x="6760172" y="2781487"/>
+            <a:ext cx="1244966" cy="1351428"/>
           </a:xfrm>
           <a:prstGeom prst="rect">
             <a:avLst/>
@@ -14610,8 +14610,8 @@
         </p:blipFill>
         <p:spPr>
           <a:xfrm>
-            <a:off x="10119147" y="3455866"/>
-            <a:ext cx="1020205" cy="1075386"/>
+            <a:off x="10212241" y="2850719"/>
+            <a:ext cx="1117408" cy="1212960"/>
           </a:xfrm>
           <a:prstGeom prst="rect">
             <a:avLst/>
@@ -14638,8 +14638,8 @@
         </p:blipFill>
         <p:spPr>
           <a:xfrm>
-            <a:off x="13038965" y="3394485"/>
-            <a:ext cx="1136667" cy="1198148"/>
+            <a:off x="13410254" y="2781487"/>
+            <a:ext cx="1244966" cy="1351428"/>
           </a:xfrm>
           <a:prstGeom prst="rect">
             <a:avLst/>
@@ -38503,6 +38503,285 @@
 </file>
 
 <file path=ppt/theme/theme1.xml><?xml version="1.0" encoding="utf-8"?>
+<a:theme xmlns:a="http://schemas.openxmlformats.org/drawingml/2006/main" xmlns:r="http://schemas.openxmlformats.org/officeDocument/2006/relationships">
+  <a:themeElements>
+    <a:clrScheme name="Default">
+      <a:dk1>
+        <a:srgbClr val="000000"/>
+      </a:dk1>
+      <a:lt1>
+        <a:srgbClr val="FFFFFF"/>
+      </a:lt1>
+      <a:dk2>
+        <a:srgbClr val="158158"/>
+      </a:dk2>
+      <a:lt2>
+        <a:srgbClr val="F3F3F3"/>
+      </a:lt2>
+      <a:accent1>
+        <a:srgbClr val="058DC7"/>
+      </a:accent1>
+      <a:accent2>
+        <a:srgbClr val="50B432"/>
+      </a:accent2>
+      <a:accent3>
+        <a:srgbClr val="ED561B"/>
+      </a:accent3>
+      <a:accent4>
+        <a:srgbClr val="EDEF00"/>
+      </a:accent4>
+      <a:accent5>
+        <a:srgbClr val="24CBE5"/>
+      </a:accent5>
+      <a:accent6>
+        <a:srgbClr val="64E572"/>
+      </a:accent6>
+      <a:hlink>
+        <a:srgbClr val="2200CC"/>
+      </a:hlink>
+      <a:folHlink>
+        <a:srgbClr val="551A8B"/>
+      </a:folHlink>
+    </a:clrScheme>
+    <a:fontScheme name="Office">
+      <a:majorFont>
+        <a:latin typeface="Arial"/>
+        <a:ea typeface=""/>
+        <a:cs typeface=""/>
+        <a:font script="Jpan" typeface="ＭＳ Ｐゴシック"/>
+        <a:font script="Hang" typeface="맑은 고딕"/>
+        <a:font script="Hans" typeface="宋体"/>
+        <a:font script="Hant" typeface="新細明體"/>
+        <a:font script="Arab" typeface="Times New Roman"/>
+        <a:font script="Hebr" typeface="Times New Roman"/>
+        <a:font script="Thai" typeface="Angsana New"/>
+        <a:font script="Ethi" typeface="Nyala"/>
+        <a:font script="Beng" typeface="Vrinda"/>
+        <a:font script="Gujr" typeface="Shruti"/>
+        <a:font script="Khmr" typeface="MoolBoran"/>
+        <a:font script="Knda" typeface="Tunga"/>
+        <a:font script="Guru" typeface="Raavi"/>
+        <a:font script="Cans" typeface="Euphemia"/>
+        <a:font script="Cher" typeface="Plantagenet Cherokee"/>
+        <a:font script="Yiii" typeface="Microsoft Yi Baiti"/>
+        <a:font script="Tibt" typeface="Microsoft Himalaya"/>
+        <a:font script="Thaa" typeface="MV Boli"/>
+        <a:font script="Deva" typeface="Mangal"/>
+        <a:font script="Telu" typeface="Gautami"/>
+        <a:font script="Taml" typeface="Latha"/>
+        <a:font script="Syrc" typeface="Estrangelo Edessa"/>
+        <a:font script="Orya" typeface="Kalinga"/>
+        <a:font script="Mlym" typeface="Kartika"/>
+        <a:font script="Laoo" typeface="DokChampa"/>
+        <a:font script="Sinh" typeface="Iskoola Pota"/>
+        <a:font script="Mong" typeface="Mongolian Baiti"/>
+        <a:font script="Viet" typeface="Times New Roman"/>
+        <a:font script="Uigh" typeface="Microsoft Uighur"/>
+        <a:font script="Geor" typeface="Sylfaen"/>
+      </a:majorFont>
+      <a:minorFont>
+        <a:latin typeface="Arial"/>
+        <a:ea typeface=""/>
+        <a:cs typeface=""/>
+        <a:font script="Jpan" typeface="ＭＳ Ｐゴシック"/>
+        <a:font script="Hang" typeface="맑은 고딕"/>
+        <a:font script="Hans" typeface="宋体"/>
+        <a:font script="Hant" typeface="新細明體"/>
+        <a:font script="Arab" typeface="Arial"/>
+        <a:font script="Hebr" typeface="Arial"/>
+        <a:font script="Thai" typeface="Cordia New"/>
+        <a:font script="Ethi" typeface="Nyala"/>
+        <a:font script="Beng" typeface="Vrinda"/>
+        <a:font script="Gujr" typeface="Shruti"/>
+        <a:font script="Khmr" typeface="DaunPenh"/>
+        <a:font script="Knda" typeface="Tunga"/>
+        <a:font script="Guru" typeface="Raavi"/>
+        <a:font script="Cans" typeface="Euphemia"/>
+        <a:font script="Cher" typeface="Plantagenet Cherokee"/>
+        <a:font script="Yiii" typeface="Microsoft Yi Baiti"/>
+        <a:font script="Tibt" typeface="Microsoft Himalaya"/>
+        <a:font script="Thaa" typeface="MV Boli"/>
+        <a:font script="Deva" typeface="Mangal"/>
+        <a:font script="Telu" typeface="Gautami"/>
+        <a:font script="Taml" typeface="Latha"/>
+        <a:font script="Syrc" typeface="Estrangelo Edessa"/>
+        <a:font script="Orya" typeface="Kalinga"/>
+        <a:font script="Mlym" typeface="Kartika"/>
+        <a:font script="Laoo" typeface="DokChampa"/>
+        <a:font script="Sinh" typeface="Iskoola Pota"/>
+        <a:font script="Mong" typeface="Mongolian Baiti"/>
+        <a:font script="Viet" typeface="Arial"/>
+        <a:font script="Uigh" typeface="Microsoft Uighur"/>
+        <a:font script="Geor" typeface="Sylfaen"/>
+      </a:minorFont>
+    </a:fontScheme>
+    <a:fmtScheme name="Office">
+      <a:fillStyleLst>
+        <a:solidFill>
+          <a:schemeClr val="phClr"/>
+        </a:solidFill>
+        <a:gradFill rotWithShape="1">
+          <a:gsLst>
+            <a:gs pos="0">
+              <a:schemeClr val="phClr">
+                <a:tint val="50000"/>
+                <a:satMod val="300000"/>
+              </a:schemeClr>
+            </a:gs>
+            <a:gs pos="35000">
+              <a:schemeClr val="phClr">
+                <a:tint val="37000"/>
+                <a:satMod val="300000"/>
+              </a:schemeClr>
+            </a:gs>
+            <a:gs pos="100000">
+              <a:schemeClr val="phClr">
+                <a:tint val="15000"/>
+                <a:satMod val="350000"/>
+              </a:schemeClr>
+            </a:gs>
+          </a:gsLst>
+          <a:lin ang="16200000" scaled="1"/>
+        </a:gradFill>
+        <a:gradFill rotWithShape="1">
+          <a:gsLst>
+            <a:gs pos="0">
+              <a:schemeClr val="phClr">
+                <a:tint val="100000"/>
+                <a:shade val="100000"/>
+                <a:satMod val="130000"/>
+              </a:schemeClr>
+            </a:gs>
+            <a:gs pos="100000">
+              <a:schemeClr val="phClr">
+                <a:tint val="50000"/>
+                <a:shade val="100000"/>
+                <a:satMod val="350000"/>
+              </a:schemeClr>
+            </a:gs>
+          </a:gsLst>
+          <a:lin ang="16200000" scaled="0"/>
+        </a:gradFill>
+      </a:fillStyleLst>
+      <a:lnStyleLst>
+        <a:ln w="9525" cap="flat" cmpd="sng" algn="ctr">
+          <a:solidFill>
+            <a:schemeClr val="phClr">
+              <a:shade val="95000"/>
+              <a:satMod val="105000"/>
+            </a:schemeClr>
+          </a:solidFill>
+          <a:prstDash val="solid"/>
+        </a:ln>
+        <a:ln w="25400" cap="flat" cmpd="sng" algn="ctr">
+          <a:solidFill>
+            <a:schemeClr val="phClr"/>
+          </a:solidFill>
+          <a:prstDash val="solid"/>
+        </a:ln>
+        <a:ln w="38100" cap="flat" cmpd="sng" algn="ctr">
+          <a:solidFill>
+            <a:schemeClr val="phClr"/>
+          </a:solidFill>
+          <a:prstDash val="solid"/>
+        </a:ln>
+      </a:lnStyleLst>
+      <a:effectStyleLst>
+        <a:effectStyle>
+          <a:effectLst>
+            <a:outerShdw blurRad="40000" dist="20000" dir="5400000" rotWithShape="0">
+              <a:srgbClr val="000000">
+                <a:alpha val="38000"/>
+              </a:srgbClr>
+            </a:outerShdw>
+          </a:effectLst>
+        </a:effectStyle>
+        <a:effectStyle>
+          <a:effectLst>
+            <a:outerShdw blurRad="40000" dist="23000" dir="5400000" rotWithShape="0">
+              <a:srgbClr val="000000">
+                <a:alpha val="35000"/>
+              </a:srgbClr>
+            </a:outerShdw>
+          </a:effectLst>
+        </a:effectStyle>
+        <a:effectStyle>
+          <a:effectLst>
+            <a:outerShdw blurRad="40000" dist="23000" dir="5400000" rotWithShape="0">
+              <a:srgbClr val="000000">
+                <a:alpha val="35000"/>
+              </a:srgbClr>
+            </a:outerShdw>
+          </a:effectLst>
+          <a:scene3d>
+            <a:camera prst="orthographicFront">
+              <a:rot lat="0" lon="0" rev="0"/>
+            </a:camera>
+            <a:lightRig rig="threePt" dir="t">
+              <a:rot lat="0" lon="0" rev="1200000"/>
+            </a:lightRig>
+          </a:scene3d>
+          <a:sp3d>
+            <a:bevelT w="63500" h="25400"/>
+          </a:sp3d>
+        </a:effectStyle>
+      </a:effectStyleLst>
+      <a:bgFillStyleLst>
+        <a:solidFill>
+          <a:schemeClr val="phClr"/>
+        </a:solidFill>
+        <a:gradFill rotWithShape="1">
+          <a:gsLst>
+            <a:gs pos="0">
+              <a:schemeClr val="phClr">
+                <a:tint val="40000"/>
+                <a:satMod val="350000"/>
+              </a:schemeClr>
+            </a:gs>
+            <a:gs pos="40000">
+              <a:schemeClr val="phClr">
+                <a:tint val="45000"/>
+                <a:shade val="99000"/>
+                <a:satMod val="350000"/>
+              </a:schemeClr>
+            </a:gs>
+            <a:gs pos="100000">
+              <a:schemeClr val="phClr">
+                <a:shade val="20000"/>
+                <a:satMod val="255000"/>
+              </a:schemeClr>
+            </a:gs>
+          </a:gsLst>
+          <a:path path="circle">
+            <a:fillToRect l="50000" t="-80000" r="50000" b="180000"/>
+          </a:path>
+        </a:gradFill>
+        <a:gradFill rotWithShape="1">
+          <a:gsLst>
+            <a:gs pos="0">
+              <a:schemeClr val="phClr">
+                <a:tint val="80000"/>
+                <a:satMod val="300000"/>
+              </a:schemeClr>
+            </a:gs>
+            <a:gs pos="100000">
+              <a:schemeClr val="phClr">
+                <a:shade val="30000"/>
+                <a:satMod val="200000"/>
+              </a:schemeClr>
+            </a:gs>
+          </a:gsLst>
+          <a:path path="circle">
+            <a:fillToRect l="50000" t="50000" r="50000" b="50000"/>
+          </a:path>
+        </a:gradFill>
+      </a:bgFillStyleLst>
+    </a:fmtScheme>
+  </a:themeElements>
+</a:theme>
+</file>
+
+<file path=ppt/theme/theme2.xml><?xml version="1.0" encoding="utf-8"?>
 <a:theme xmlns:a="http://schemas.openxmlformats.org/drawingml/2006/main" xmlns:r="http://schemas.openxmlformats.org/officeDocument/2006/relationships" name="Office Theme">
   <a:themeElements>
     <a:clrScheme name="Office">
@@ -38779,283 +39058,4 @@
     </a:fmtScheme>
   </a:themeElements>
 </a:theme>
-</file>
-
-<file path=ppt/theme/theme2.xml><?xml version="1.0" encoding="utf-8"?>
-<a:theme xmlns:a="http://schemas.openxmlformats.org/drawingml/2006/main" xmlns:r="http://schemas.openxmlformats.org/officeDocument/2006/relationships">
-  <a:themeElements>
-    <a:clrScheme name="Default">
-      <a:dk1>
-        <a:srgbClr val="000000"/>
-      </a:dk1>
-      <a:lt1>
-        <a:srgbClr val="FFFFFF"/>
-      </a:lt1>
-      <a:dk2>
-        <a:srgbClr val="158158"/>
-      </a:dk2>
-      <a:lt2>
-        <a:srgbClr val="F3F3F3"/>
-      </a:lt2>
-      <a:accent1>
-        <a:srgbClr val="058DC7"/>
-      </a:accent1>
-      <a:accent2>
-        <a:srgbClr val="50B432"/>
-      </a:accent2>
-      <a:accent3>
-        <a:srgbClr val="ED561B"/>
-      </a:accent3>
-      <a:accent4>
-        <a:srgbClr val="EDEF00"/>
-      </a:accent4>
-      <a:accent5>
-        <a:srgbClr val="24CBE5"/>
-      </a:accent5>
-      <a:accent6>
-        <a:srgbClr val="64E572"/>
-      </a:accent6>
-      <a:hlink>
-        <a:srgbClr val="2200CC"/>
-      </a:hlink>
-      <a:folHlink>
-        <a:srgbClr val="551A8B"/>
-      </a:folHlink>
-    </a:clrScheme>
-    <a:fontScheme name="Office">
-      <a:majorFont>
-        <a:latin typeface="Arial"/>
-        <a:ea typeface=""/>
-        <a:cs typeface=""/>
-        <a:font script="Jpan" typeface="ＭＳ Ｐゴシック"/>
-        <a:font script="Hang" typeface="맑은 고딕"/>
-        <a:font script="Hans" typeface="宋体"/>
-        <a:font script="Hant" typeface="新細明體"/>
-        <a:font script="Arab" typeface="Times New Roman"/>
-        <a:font script="Hebr" typeface="Times New Roman"/>
-        <a:font script="Thai" typeface="Angsana New"/>
-        <a:font script="Ethi" typeface="Nyala"/>
-        <a:font script="Beng" typeface="Vrinda"/>
-        <a:font script="Gujr" typeface="Shruti"/>
-        <a:font script="Khmr" typeface="MoolBoran"/>
-        <a:font script="Knda" typeface="Tunga"/>
-        <a:font script="Guru" typeface="Raavi"/>
-        <a:font script="Cans" typeface="Euphemia"/>
-        <a:font script="Cher" typeface="Plantagenet Cherokee"/>
-        <a:font script="Yiii" typeface="Microsoft Yi Baiti"/>
-        <a:font script="Tibt" typeface="Microsoft Himalaya"/>
-        <a:font script="Thaa" typeface="MV Boli"/>
-        <a:font script="Deva" typeface="Mangal"/>
-        <a:font script="Telu" typeface="Gautami"/>
-        <a:font script="Taml" typeface="Latha"/>
-        <a:font script="Syrc" typeface="Estrangelo Edessa"/>
-        <a:font script="Orya" typeface="Kalinga"/>
-        <a:font script="Mlym" typeface="Kartika"/>
-        <a:font script="Laoo" typeface="DokChampa"/>
-        <a:font script="Sinh" typeface="Iskoola Pota"/>
-        <a:font script="Mong" typeface="Mongolian Baiti"/>
-        <a:font script="Viet" typeface="Times New Roman"/>
-        <a:font script="Uigh" typeface="Microsoft Uighur"/>
-        <a:font script="Geor" typeface="Sylfaen"/>
-      </a:majorFont>
-      <a:minorFont>
-        <a:latin typeface="Arial"/>
-        <a:ea typeface=""/>
-        <a:cs typeface=""/>
-        <a:font script="Jpan" typeface="ＭＳ Ｐゴシック"/>
-        <a:font script="Hang" typeface="맑은 고딕"/>
-        <a:font script="Hans" typeface="宋体"/>
-        <a:font script="Hant" typeface="新細明體"/>
-        <a:font script="Arab" typeface="Arial"/>
-        <a:font script="Hebr" typeface="Arial"/>
-        <a:font script="Thai" typeface="Cordia New"/>
-        <a:font script="Ethi" typeface="Nyala"/>
-        <a:font script="Beng" typeface="Vrinda"/>
-        <a:font script="Gujr" typeface="Shruti"/>
-        <a:font script="Khmr" typeface="DaunPenh"/>
-        <a:font script="Knda" typeface="Tunga"/>
-        <a:font script="Guru" typeface="Raavi"/>
-        <a:font script="Cans" typeface="Euphemia"/>
-        <a:font script="Cher" typeface="Plantagenet Cherokee"/>
-        <a:font script="Yiii" typeface="Microsoft Yi Baiti"/>
-        <a:font script="Tibt" typeface="Microsoft Himalaya"/>
-        <a:font script="Thaa" typeface="MV Boli"/>
-        <a:font script="Deva" typeface="Mangal"/>
-        <a:font script="Telu" typeface="Gautami"/>
-        <a:font script="Taml" typeface="Latha"/>
-        <a:font script="Syrc" typeface="Estrangelo Edessa"/>
-        <a:font script="Orya" typeface="Kalinga"/>
-        <a:font script="Mlym" typeface="Kartika"/>
-        <a:font script="Laoo" typeface="DokChampa"/>
-        <a:font script="Sinh" typeface="Iskoola Pota"/>
-        <a:font script="Mong" typeface="Mongolian Baiti"/>
-        <a:font script="Viet" typeface="Arial"/>
-        <a:font script="Uigh" typeface="Microsoft Uighur"/>
-        <a:font script="Geor" typeface="Sylfaen"/>
-      </a:minorFont>
-    </a:fontScheme>
-    <a:fmtScheme name="Office">
-      <a:fillStyleLst>
-        <a:solidFill>
-          <a:schemeClr val="phClr"/>
-        </a:solidFill>
-        <a:gradFill rotWithShape="1">
-          <a:gsLst>
-            <a:gs pos="0">
-              <a:schemeClr val="phClr">
-                <a:tint val="50000"/>
-                <a:satMod val="300000"/>
-              </a:schemeClr>
-            </a:gs>
-            <a:gs pos="35000">
-              <a:schemeClr val="phClr">
-                <a:tint val="37000"/>
-                <a:satMod val="300000"/>
-              </a:schemeClr>
-            </a:gs>
-            <a:gs pos="100000">
-              <a:schemeClr val="phClr">
-                <a:tint val="15000"/>
-                <a:satMod val="350000"/>
-              </a:schemeClr>
-            </a:gs>
-          </a:gsLst>
-          <a:lin ang="16200000" scaled="1"/>
-        </a:gradFill>
-        <a:gradFill rotWithShape="1">
-          <a:gsLst>
-            <a:gs pos="0">
-              <a:schemeClr val="phClr">
-                <a:tint val="100000"/>
-                <a:shade val="100000"/>
-                <a:satMod val="130000"/>
-              </a:schemeClr>
-            </a:gs>
-            <a:gs pos="100000">
-              <a:schemeClr val="phClr">
-                <a:tint val="50000"/>
-                <a:shade val="100000"/>
-                <a:satMod val="350000"/>
-              </a:schemeClr>
-            </a:gs>
-          </a:gsLst>
-          <a:lin ang="16200000" scaled="0"/>
-        </a:gradFill>
-      </a:fillStyleLst>
-      <a:lnStyleLst>
-        <a:ln w="9525" cap="flat" cmpd="sng" algn="ctr">
-          <a:solidFill>
-            <a:schemeClr val="phClr">
-              <a:shade val="95000"/>
-              <a:satMod val="105000"/>
-            </a:schemeClr>
-          </a:solidFill>
-          <a:prstDash val="solid"/>
-        </a:ln>
-        <a:ln w="25400" cap="flat" cmpd="sng" algn="ctr">
-          <a:solidFill>
-            <a:schemeClr val="phClr"/>
-          </a:solidFill>
-          <a:prstDash val="solid"/>
-        </a:ln>
-        <a:ln w="38100" cap="flat" cmpd="sng" algn="ctr">
-          <a:solidFill>
-            <a:schemeClr val="phClr"/>
-          </a:solidFill>
-          <a:prstDash val="solid"/>
-        </a:ln>
-      </a:lnStyleLst>
-      <a:effectStyleLst>
-        <a:effectStyle>
-          <a:effectLst>
-            <a:outerShdw blurRad="40000" dist="20000" dir="5400000" rotWithShape="0">
-              <a:srgbClr val="000000">
-                <a:alpha val="38000"/>
-              </a:srgbClr>
-            </a:outerShdw>
-          </a:effectLst>
-        </a:effectStyle>
-        <a:effectStyle>
-          <a:effectLst>
-            <a:outerShdw blurRad="40000" dist="23000" dir="5400000" rotWithShape="0">
-              <a:srgbClr val="000000">
-                <a:alpha val="35000"/>
-              </a:srgbClr>
-            </a:outerShdw>
-          </a:effectLst>
-        </a:effectStyle>
-        <a:effectStyle>
-          <a:effectLst>
-            <a:outerShdw blurRad="40000" dist="23000" dir="5400000" rotWithShape="0">
-              <a:srgbClr val="000000">
-                <a:alpha val="35000"/>
-              </a:srgbClr>
-            </a:outerShdw>
-          </a:effectLst>
-          <a:scene3d>
-            <a:camera prst="orthographicFront">
-              <a:rot lat="0" lon="0" rev="0"/>
-            </a:camera>
-            <a:lightRig rig="threePt" dir="t">
-              <a:rot lat="0" lon="0" rev="1200000"/>
-            </a:lightRig>
-          </a:scene3d>
-          <a:sp3d>
-            <a:bevelT w="63500" h="25400"/>
-          </a:sp3d>
-        </a:effectStyle>
-      </a:effectStyleLst>
-      <a:bgFillStyleLst>
-        <a:solidFill>
-          <a:schemeClr val="phClr"/>
-        </a:solidFill>
-        <a:gradFill rotWithShape="1">
-          <a:gsLst>
-            <a:gs pos="0">
-              <a:schemeClr val="phClr">
-                <a:tint val="40000"/>
-                <a:satMod val="350000"/>
-              </a:schemeClr>
-            </a:gs>
-            <a:gs pos="40000">
-              <a:schemeClr val="phClr">
-                <a:tint val="45000"/>
-                <a:shade val="99000"/>
-                <a:satMod val="350000"/>
-              </a:schemeClr>
-            </a:gs>
-            <a:gs pos="100000">
-              <a:schemeClr val="phClr">
-                <a:shade val="20000"/>
-                <a:satMod val="255000"/>
-              </a:schemeClr>
-            </a:gs>
-          </a:gsLst>
-          <a:path path="circle">
-            <a:fillToRect l="50000" t="-80000" r="50000" b="180000"/>
-          </a:path>
-        </a:gradFill>
-        <a:gradFill rotWithShape="1">
-          <a:gsLst>
-            <a:gs pos="0">
-              <a:schemeClr val="phClr">
-                <a:tint val="80000"/>
-                <a:satMod val="300000"/>
-              </a:schemeClr>
-            </a:gs>
-            <a:gs pos="100000">
-              <a:schemeClr val="phClr">
-                <a:shade val="30000"/>
-                <a:satMod val="200000"/>
-              </a:schemeClr>
-            </a:gs>
-          </a:gsLst>
-          <a:path path="circle">
-            <a:fillToRect l="50000" t="50000" r="50000" b="50000"/>
-          </a:path>
-        </a:gradFill>
-      </a:bgFillStyleLst>
-    </a:fmtScheme>
-  </a:themeElements>
-</a:theme>
 </file>